--- a/GDELT AWS project - MongoDB with redundancy on EMR.pptx
+++ b/GDELT AWS project - MongoDB with redundancy on EMR.pptx
@@ -9034,22 +9034,30 @@
               <a:buChar char="➔"/>
             </a:pPr>
             <a:r>
-              <a:rPr lang="en-GB" b="1">
+              <a:rPr lang="en-GB" b="1" dirty="0">
                 <a:solidFill>
                   <a:schemeClr val="dk2"/>
                 </a:solidFill>
               </a:rPr>
-              <a:t>Haute disponibilité</a:t>
+              <a:t>High Availability</a:t>
             </a:r>
             <a:r>
-              <a:rPr lang="en-GB">
+              <a:rPr lang="en-GB" dirty="0">
                 <a:solidFill>
                   <a:schemeClr val="dk2"/>
                 </a:solidFill>
               </a:rPr>
-              <a:t> : pas de SPOF</a:t>
+              <a:t>: </a:t>
             </a:r>
-            <a:endParaRPr>
+            <a:r>
+              <a:rPr lang="fr-FR" dirty="0">
+                <a:solidFill>
+                  <a:schemeClr val="dk2"/>
+                </a:solidFill>
+              </a:rPr>
+              <a:t>no SPOF</a:t>
+            </a:r>
+            <a:endParaRPr dirty="0">
               <a:solidFill>
                 <a:schemeClr val="dk2"/>
               </a:solidFill>
@@ -9070,22 +9078,30 @@
               <a:buChar char="➔"/>
             </a:pPr>
             <a:r>
-              <a:rPr lang="en-GB" b="1">
+              <a:rPr lang="en-GB" b="1" dirty="0">
                 <a:solidFill>
                   <a:schemeClr val="dk2"/>
                 </a:solidFill>
               </a:rPr>
-              <a:t>Réplication des données</a:t>
+              <a:t>Data replication</a:t>
             </a:r>
             <a:r>
-              <a:rPr lang="en-GB">
+              <a:rPr lang="en-GB" dirty="0">
                 <a:solidFill>
                   <a:schemeClr val="dk2"/>
                 </a:solidFill>
               </a:rPr>
-              <a:t> : peu de chance de pertes</a:t>
+              <a:t>: </a:t>
             </a:r>
-            <a:endParaRPr>
+            <a:r>
+              <a:rPr lang="fr-FR" dirty="0">
+                <a:solidFill>
+                  <a:schemeClr val="dk2"/>
+                </a:solidFill>
+              </a:rPr>
+              <a:t>low chance to loose data</a:t>
+            </a:r>
+            <a:endParaRPr dirty="0">
               <a:solidFill>
                 <a:schemeClr val="dk2"/>
               </a:solidFill>
@@ -9106,22 +9122,30 @@
               <a:buChar char="➔"/>
             </a:pPr>
             <a:r>
-              <a:rPr lang="en-GB" b="1">
+              <a:rPr lang="en-GB" b="1" dirty="0">
                 <a:solidFill>
                   <a:schemeClr val="dk2"/>
                 </a:solidFill>
               </a:rPr>
-              <a:t>Scalabilité :</a:t>
+              <a:t>Scalability:</a:t>
             </a:r>
             <a:r>
-              <a:rPr lang="en-GB">
+              <a:rPr lang="en-GB" dirty="0">
                 <a:solidFill>
                   <a:schemeClr val="dk2"/>
                 </a:solidFill>
               </a:rPr>
-              <a:t> facile de rajouter des shards</a:t>
+              <a:t> </a:t>
             </a:r>
-            <a:endParaRPr>
+            <a:r>
+              <a:rPr lang="fr-FR" dirty="0">
+                <a:solidFill>
+                  <a:schemeClr val="dk2"/>
+                </a:solidFill>
+              </a:rPr>
+              <a:t>easy to add shards</a:t>
+            </a:r>
+            <a:endParaRPr dirty="0">
               <a:solidFill>
                 <a:schemeClr val="dk2"/>
               </a:solidFill>
@@ -9142,22 +9166,22 @@
               <a:buChar char="➔"/>
             </a:pPr>
             <a:r>
-              <a:rPr lang="en-GB" b="1">
+              <a:rPr lang="en-GB" b="1" dirty="0">
                 <a:solidFill>
                   <a:schemeClr val="dk2"/>
                 </a:solidFill>
               </a:rPr>
-              <a:t>Sécurité</a:t>
+              <a:t>Security</a:t>
             </a:r>
             <a:r>
-              <a:rPr lang="en-GB">
+              <a:rPr lang="en-GB" dirty="0">
                 <a:solidFill>
                   <a:schemeClr val="dk2"/>
                 </a:solidFill>
               </a:rPr>
-              <a:t> : IPs privées utilisées pour les configurations</a:t>
+              <a:t> : private IPs used for configurations</a:t>
             </a:r>
-            <a:endParaRPr>
+            <a:endParaRPr dirty="0">
               <a:solidFill>
                 <a:schemeClr val="dk2"/>
               </a:solidFill>
@@ -9204,30 +9228,30 @@
               <a:buChar char="➔"/>
             </a:pPr>
             <a:r>
-              <a:rPr lang="en-GB" b="1">
+              <a:rPr lang="en-GB" b="1" dirty="0">
                 <a:solidFill>
                   <a:schemeClr val="dk2"/>
                 </a:solidFill>
               </a:rPr>
-              <a:t>Pas d’arbitrage</a:t>
+              <a:t>No arbitration</a:t>
             </a:r>
             <a:r>
-              <a:rPr lang="en-GB">
+              <a:rPr lang="en-GB" dirty="0">
                 <a:solidFill>
                   <a:schemeClr val="dk2"/>
                 </a:solidFill>
               </a:rPr>
-              <a:t>, si 2 machines tombent sur un </a:t>
+              <a:t>, if 2 machines are down on </a:t>
             </a:r>
             <a:r>
-              <a:rPr lang="en-GB" b="1">
+              <a:rPr lang="en-GB" b="1" dirty="0">
                 <a:solidFill>
                   <a:schemeClr val="dk2"/>
                 </a:solidFill>
               </a:rPr>
-              <a:t>même replica set</a:t>
+              <a:t>the same replica set</a:t>
             </a:r>
-            <a:endParaRPr b="1">
+            <a:endParaRPr b="1" dirty="0">
               <a:solidFill>
                 <a:schemeClr val="dk2"/>
               </a:solidFill>
@@ -9243,7 +9267,7 @@
               </a:spcAft>
               <a:buNone/>
             </a:pPr>
-            <a:endParaRPr b="1">
+            <a:endParaRPr b="1" dirty="0">
               <a:solidFill>
                 <a:schemeClr val="dk2"/>
               </a:solidFill>
@@ -9264,7 +9288,7 @@
               <a:buChar char="➔"/>
             </a:pPr>
             <a:r>
-              <a:rPr lang="en-GB" b="1">
+              <a:rPr lang="en-GB" b="1" dirty="0">
                 <a:solidFill>
                   <a:schemeClr val="dk2"/>
                 </a:solidFill>
@@ -9272,14 +9296,14 @@
               <a:t>Reboot machine </a:t>
             </a:r>
             <a:r>
-              <a:rPr lang="en-GB">
+              <a:rPr lang="en-GB" dirty="0">
                 <a:solidFill>
                   <a:schemeClr val="dk2"/>
                 </a:solidFill>
               </a:rPr>
               <a:t>impossible (EMR)</a:t>
             </a:r>
-            <a:endParaRPr>
+            <a:endParaRPr dirty="0">
               <a:solidFill>
                 <a:schemeClr val="dk2"/>
               </a:solidFill>
@@ -9940,14 +9964,14 @@
               <a:buNone/>
             </a:pPr>
             <a:r>
-              <a:rPr lang="en-GB" sz="1200" b="1">
+              <a:rPr lang="en-GB" sz="1200" b="1" dirty="0">
                 <a:solidFill>
                   <a:srgbClr val="595959"/>
                 </a:solidFill>
               </a:rPr>
-              <a:t>Prétraitements</a:t>
+              <a:t>Pre-processing</a:t>
             </a:r>
-            <a:endParaRPr sz="1200" b="1"/>
+            <a:endParaRPr sz="1200" b="1" dirty="0"/>
           </a:p>
         </p:txBody>
       </p:sp>
@@ -9989,14 +10013,14 @@
               <a:buNone/>
             </a:pPr>
             <a:r>
-              <a:rPr lang="en-GB" sz="1200" b="1">
+              <a:rPr lang="en-GB" sz="1200" b="1" dirty="0">
                 <a:solidFill>
                   <a:srgbClr val="595959"/>
                 </a:solidFill>
               </a:rPr>
-              <a:t>Modèle de données</a:t>
+              <a:t>Data Model</a:t>
             </a:r>
-            <a:endParaRPr sz="1200" b="1"/>
+            <a:endParaRPr sz="1200" b="1" dirty="0"/>
           </a:p>
         </p:txBody>
       </p:sp>
@@ -10042,14 +10066,14 @@
               <a:buChar char="➔"/>
             </a:pPr>
             <a:r>
-              <a:rPr lang="en-GB">
+              <a:rPr lang="en-GB" dirty="0">
                 <a:solidFill>
                   <a:schemeClr val="dk2"/>
                 </a:solidFill>
               </a:rPr>
-              <a:t>Données sur S3</a:t>
+              <a:t>Data on S3</a:t>
             </a:r>
-            <a:endParaRPr>
+            <a:endParaRPr dirty="0">
               <a:solidFill>
                 <a:schemeClr val="dk2"/>
               </a:solidFill>
@@ -10070,14 +10094,14 @@
               <a:buChar char="➔"/>
             </a:pPr>
             <a:r>
-              <a:rPr lang="en-GB">
+              <a:rPr lang="en-GB" dirty="0">
                 <a:solidFill>
                   <a:schemeClr val="dk2"/>
                 </a:solidFill>
               </a:rPr>
-              <a:t>Simplicité de traitement</a:t>
+              <a:t>Simplicity of pre-processing</a:t>
             </a:r>
-            <a:endParaRPr>
+            <a:endParaRPr dirty="0">
               <a:solidFill>
                 <a:schemeClr val="dk2"/>
               </a:solidFill>
@@ -10093,7 +10117,7 @@
         </p:nvSpPr>
         <p:spPr>
           <a:xfrm>
-            <a:off x="6060275" y="1468375"/>
+            <a:off x="6060275" y="1468825"/>
             <a:ext cx="2432100" cy="1096800"/>
           </a:xfrm>
           <a:prstGeom prst="rect">
@@ -10127,14 +10151,14 @@
               <a:buChar char="➔"/>
             </a:pPr>
             <a:r>
-              <a:rPr lang="en-GB">
+              <a:rPr lang="fr-FR" dirty="0">
                 <a:solidFill>
                   <a:schemeClr val="dk2"/>
                 </a:solidFill>
               </a:rPr>
-              <a:t>Taille des buckets</a:t>
+              <a:t>Size of the buckets</a:t>
             </a:r>
-            <a:endParaRPr>
+            <a:endParaRPr dirty="0">
               <a:solidFill>
                 <a:schemeClr val="dk2"/>
               </a:solidFill>
@@ -10155,14 +10179,14 @@
               <a:buChar char="➔"/>
             </a:pPr>
             <a:r>
-              <a:rPr lang="en-GB">
+              <a:rPr lang="en-GB" dirty="0">
                 <a:solidFill>
                   <a:schemeClr val="dk2"/>
                 </a:solidFill>
               </a:rPr>
-              <a:t>Jointure de 2 tables</a:t>
+              <a:t>Join of two tables</a:t>
             </a:r>
-            <a:endParaRPr>
+            <a:endParaRPr dirty="0">
               <a:solidFill>
                 <a:schemeClr val="dk2"/>
               </a:solidFill>
@@ -10212,14 +10236,14 @@
               <a:buChar char="➔"/>
             </a:pPr>
             <a:r>
-              <a:rPr lang="en-GB">
+              <a:rPr lang="fr-FR" dirty="0">
                 <a:solidFill>
                   <a:schemeClr val="dk2"/>
                 </a:solidFill>
               </a:rPr>
-              <a:t>Une colonne par acteur</a:t>
+              <a:t>One column per actor</a:t>
             </a:r>
-            <a:endParaRPr>
+            <a:endParaRPr dirty="0">
               <a:solidFill>
                 <a:schemeClr val="dk2"/>
               </a:solidFill>
@@ -10240,14 +10264,14 @@
               <a:buChar char="➔"/>
             </a:pPr>
             <a:r>
-              <a:rPr lang="en-GB">
+              <a:rPr lang="en-GB" dirty="0">
                 <a:solidFill>
                   <a:schemeClr val="dk2"/>
                 </a:solidFill>
               </a:rPr>
-              <a:t>Reduction des colonnes</a:t>
+              <a:t>Reduction of data</a:t>
             </a:r>
-            <a:endParaRPr>
+            <a:endParaRPr dirty="0">
               <a:solidFill>
                 <a:schemeClr val="dk2"/>
               </a:solidFill>
@@ -10297,14 +10321,14 @@
               <a:buChar char="➔"/>
             </a:pPr>
             <a:r>
-              <a:rPr lang="en-GB">
+              <a:rPr lang="fr-FR" dirty="0">
                 <a:solidFill>
                   <a:schemeClr val="dk2"/>
                 </a:solidFill>
               </a:rPr>
-              <a:t>Lignes doublées</a:t>
+              <a:t>Doble lignes</a:t>
             </a:r>
-            <a:endParaRPr>
+            <a:endParaRPr dirty="0">
               <a:solidFill>
                 <a:schemeClr val="dk2"/>
               </a:solidFill>
@@ -10325,14 +10349,14 @@
               <a:buChar char="➔"/>
             </a:pPr>
             <a:r>
-              <a:rPr lang="en-GB">
+              <a:rPr lang="en-GB" dirty="0">
                 <a:solidFill>
                   <a:schemeClr val="dk2"/>
                 </a:solidFill>
               </a:rPr>
-              <a:t>Perte de donnés</a:t>
+              <a:t>Loss of data</a:t>
             </a:r>
-            <a:endParaRPr>
+            <a:endParaRPr dirty="0">
               <a:solidFill>
                 <a:schemeClr val="dk2"/>
               </a:solidFill>
